--- a/사용자 분석-(persona).pptx
+++ b/사용자 분석-(persona).pptx
@@ -122,6 +122,9 @@
         </p14:section>
       </p14:sectionLst>
     </p:ext>
+    <p:ext uri="{EFAFB233-063F-42B5-8137-9DF3F51BA10A}">
+      <p15:sldGuideLst xmlns:p15="http://schemas.microsoft.com/office/powerpoint/2012/main"/>
+    </p:ext>
   </p:extLst>
 </p:presentation>
 </file>
@@ -352,7 +355,7 @@
           <a:p>
             <a:fld id="{AEA8F15B-7710-46C0-91B1-94B3AE131DE5}" type="datetimeFigureOut">
               <a:rPr lang="ko-KR" altLang="en-US" smtClean="0"/>
-              <a:t>2024-03-18</a:t>
+              <a:t>2024-03-22</a:t>
             </a:fld>
             <a:endParaRPr lang="ko-KR" altLang="en-US"/>
           </a:p>
@@ -560,7 +563,7 @@
           <a:p>
             <a:fld id="{AEA8F15B-7710-46C0-91B1-94B3AE131DE5}" type="datetimeFigureOut">
               <a:rPr lang="ko-KR" altLang="en-US" smtClean="0"/>
-              <a:t>2024-03-18</a:t>
+              <a:t>2024-03-22</a:t>
             </a:fld>
             <a:endParaRPr lang="ko-KR" altLang="en-US"/>
           </a:p>
@@ -816,7 +819,7 @@
           <a:p>
             <a:fld id="{AEA8F15B-7710-46C0-91B1-94B3AE131DE5}" type="datetimeFigureOut">
               <a:rPr lang="ko-KR" altLang="en-US" smtClean="0"/>
-              <a:t>2024-03-18</a:t>
+              <a:t>2024-03-22</a:t>
             </a:fld>
             <a:endParaRPr lang="ko-KR" altLang="en-US"/>
           </a:p>
@@ -990,7 +993,7 @@
           <a:p>
             <a:fld id="{AEA8F15B-7710-46C0-91B1-94B3AE131DE5}" type="datetimeFigureOut">
               <a:rPr lang="ko-KR" altLang="en-US" smtClean="0"/>
-              <a:t>2024-03-18</a:t>
+              <a:t>2024-03-22</a:t>
             </a:fld>
             <a:endParaRPr lang="ko-KR" altLang="en-US"/>
           </a:p>
@@ -1333,7 +1336,7 @@
           <a:p>
             <a:fld id="{AEA8F15B-7710-46C0-91B1-94B3AE131DE5}" type="datetimeFigureOut">
               <a:rPr lang="ko-KR" altLang="en-US" smtClean="0"/>
-              <a:t>2024-03-18</a:t>
+              <a:t>2024-03-22</a:t>
             </a:fld>
             <a:endParaRPr lang="ko-KR" altLang="en-US"/>
           </a:p>
@@ -1608,7 +1611,7 @@
           <a:p>
             <a:fld id="{AEA8F15B-7710-46C0-91B1-94B3AE131DE5}" type="datetimeFigureOut">
               <a:rPr lang="ko-KR" altLang="en-US" smtClean="0"/>
-              <a:t>2024-03-18</a:t>
+              <a:t>2024-03-22</a:t>
             </a:fld>
             <a:endParaRPr lang="ko-KR" altLang="en-US"/>
           </a:p>
@@ -1987,7 +1990,7 @@
           <a:p>
             <a:fld id="{AEA8F15B-7710-46C0-91B1-94B3AE131DE5}" type="datetimeFigureOut">
               <a:rPr lang="ko-KR" altLang="en-US" smtClean="0"/>
-              <a:t>2024-03-18</a:t>
+              <a:t>2024-03-22</a:t>
             </a:fld>
             <a:endParaRPr lang="ko-KR" altLang="en-US"/>
           </a:p>
@@ -2105,7 +2108,7 @@
           <a:p>
             <a:fld id="{AEA8F15B-7710-46C0-91B1-94B3AE131DE5}" type="datetimeFigureOut">
               <a:rPr lang="ko-KR" altLang="en-US" smtClean="0"/>
-              <a:t>2024-03-18</a:t>
+              <a:t>2024-03-22</a:t>
             </a:fld>
             <a:endParaRPr lang="ko-KR" altLang="en-US"/>
           </a:p>
@@ -2276,7 +2279,7 @@
           <a:p>
             <a:fld id="{AEA8F15B-7710-46C0-91B1-94B3AE131DE5}" type="datetimeFigureOut">
               <a:rPr lang="ko-KR" altLang="en-US" smtClean="0"/>
-              <a:t>2024-03-18</a:t>
+              <a:t>2024-03-22</a:t>
             </a:fld>
             <a:endParaRPr lang="ko-KR" altLang="en-US"/>
           </a:p>
@@ -2630,7 +2633,7 @@
           <a:p>
             <a:fld id="{AEA8F15B-7710-46C0-91B1-94B3AE131DE5}" type="datetimeFigureOut">
               <a:rPr lang="ko-KR" altLang="en-US" smtClean="0"/>
-              <a:t>2024-03-18</a:t>
+              <a:t>2024-03-22</a:t>
             </a:fld>
             <a:endParaRPr lang="ko-KR" altLang="en-US"/>
           </a:p>
@@ -3012,7 +3015,7 @@
           <a:p>
             <a:fld id="{AEA8F15B-7710-46C0-91B1-94B3AE131DE5}" type="datetimeFigureOut">
               <a:rPr lang="ko-KR" altLang="en-US" smtClean="0"/>
-              <a:t>2024-03-18</a:t>
+              <a:t>2024-03-22</a:t>
             </a:fld>
             <a:endParaRPr lang="ko-KR" altLang="en-US"/>
           </a:p>
@@ -3299,7 +3302,7 @@
           <a:p>
             <a:fld id="{AEA8F15B-7710-46C0-91B1-94B3AE131DE5}" type="datetimeFigureOut">
               <a:rPr lang="ko-KR" altLang="en-US" smtClean="0"/>
-              <a:t>2024-03-18</a:t>
+              <a:t>2024-03-22</a:t>
             </a:fld>
             <a:endParaRPr lang="ko-KR" altLang="en-US"/>
           </a:p>
@@ -4012,7 +4015,7 @@
         <p:spPr>
           <a:xfrm>
             <a:off x="3288484" y="1845734"/>
-            <a:ext cx="7867196" cy="4023360"/>
+            <a:ext cx="7867196" cy="2013202"/>
           </a:xfrm>
         </p:spPr>
         <p:txBody>
@@ -4196,7 +4199,7 @@
             </a:r>
           </a:p>
           <a:p>
-            <a:pPr marL="0" indent="0">
+            <a:pPr marL="0" indent="0" algn="ctr">
               <a:buNone/>
             </a:pPr>
             <a:endParaRPr lang="en-US" altLang="ko-KR" dirty="0">
@@ -4205,8 +4208,816 @@
               </a:solidFill>
             </a:endParaRPr>
           </a:p>
+        </p:txBody>
+      </p:sp>
+      <p:sp>
+        <p:nvSpPr>
+          <p:cNvPr id="5" name="내용 개체 틀 16">
+            <a:extLst>
+              <a:ext uri="{FF2B5EF4-FFF2-40B4-BE49-F238E27FC236}">
+                <a16:creationId xmlns:a16="http://schemas.microsoft.com/office/drawing/2014/main" id="{4A237314-0A05-4138-AA73-E288AB6B3C40}"/>
+              </a:ext>
+            </a:extLst>
+          </p:cNvPr>
+          <p:cNvSpPr txBox="1">
+            <a:spLocks/>
+          </p:cNvSpPr>
+          <p:nvPr/>
+        </p:nvSpPr>
+        <p:spPr>
+          <a:xfrm>
+            <a:off x="6096000" y="3860490"/>
+            <a:ext cx="5059680" cy="2013202"/>
+          </a:xfrm>
+          <a:prstGeom prst="rect">
+            <a:avLst/>
+          </a:prstGeom>
+        </p:spPr>
+        <p:txBody>
+          <a:bodyPr vert="horz" lIns="0" tIns="45720" rIns="0" bIns="45720" rtlCol="0">
+            <a:normAutofit/>
+          </a:bodyPr>
+          <a:lstStyle>
+            <a:lvl1pPr marL="91440" indent="-91440" algn="l" defTabSz="914400" rtl="0" eaLnBrk="1" latinLnBrk="1" hangingPunct="1">
+              <a:lnSpc>
+                <a:spcPct val="90000"/>
+              </a:lnSpc>
+              <a:spcBef>
+                <a:spcPts val="1200"/>
+              </a:spcBef>
+              <a:spcAft>
+                <a:spcPts val="200"/>
+              </a:spcAft>
+              <a:buClr>
+                <a:schemeClr val="accent1"/>
+              </a:buClr>
+              <a:buSzPct val="100000"/>
+              <a:buFont typeface="Calibri" panose="020F0502020204030204" pitchFamily="34" charset="0"/>
+              <a:buChar char=" "/>
+              <a:defRPr sz="2000" kern="1200">
+                <a:solidFill>
+                  <a:schemeClr val="tx1">
+                    <a:lumMod val="75000"/>
+                    <a:lumOff val="25000"/>
+                  </a:schemeClr>
+                </a:solidFill>
+                <a:latin typeface="+mn-lt"/>
+                <a:ea typeface="+mn-ea"/>
+                <a:cs typeface="+mn-cs"/>
+              </a:defRPr>
+            </a:lvl1pPr>
+            <a:lvl2pPr marL="384048" indent="-182880" algn="l" defTabSz="914400" rtl="0" eaLnBrk="1" latinLnBrk="1" hangingPunct="1">
+              <a:lnSpc>
+                <a:spcPct val="90000"/>
+              </a:lnSpc>
+              <a:spcBef>
+                <a:spcPts val="200"/>
+              </a:spcBef>
+              <a:spcAft>
+                <a:spcPts val="400"/>
+              </a:spcAft>
+              <a:buClr>
+                <a:schemeClr val="accent1"/>
+              </a:buClr>
+              <a:buFont typeface="Calibri" pitchFamily="34" charset="0"/>
+              <a:buChar char="◦"/>
+              <a:defRPr sz="1800" kern="1200">
+                <a:solidFill>
+                  <a:schemeClr val="tx1">
+                    <a:lumMod val="75000"/>
+                    <a:lumOff val="25000"/>
+                  </a:schemeClr>
+                </a:solidFill>
+                <a:latin typeface="+mn-lt"/>
+                <a:ea typeface="+mn-ea"/>
+                <a:cs typeface="+mn-cs"/>
+              </a:defRPr>
+            </a:lvl2pPr>
+            <a:lvl3pPr marL="566928" indent="-182880" algn="l" defTabSz="914400" rtl="0" eaLnBrk="1" latinLnBrk="1" hangingPunct="1">
+              <a:lnSpc>
+                <a:spcPct val="90000"/>
+              </a:lnSpc>
+              <a:spcBef>
+                <a:spcPts val="200"/>
+              </a:spcBef>
+              <a:spcAft>
+                <a:spcPts val="400"/>
+              </a:spcAft>
+              <a:buClr>
+                <a:schemeClr val="accent1"/>
+              </a:buClr>
+              <a:buFont typeface="Calibri" pitchFamily="34" charset="0"/>
+              <a:buChar char="◦"/>
+              <a:defRPr sz="1400" kern="1200">
+                <a:solidFill>
+                  <a:schemeClr val="tx1">
+                    <a:lumMod val="75000"/>
+                    <a:lumOff val="25000"/>
+                  </a:schemeClr>
+                </a:solidFill>
+                <a:latin typeface="+mn-lt"/>
+                <a:ea typeface="+mn-ea"/>
+                <a:cs typeface="+mn-cs"/>
+              </a:defRPr>
+            </a:lvl3pPr>
+            <a:lvl4pPr marL="749808" indent="-182880" algn="l" defTabSz="914400" rtl="0" eaLnBrk="1" latinLnBrk="1" hangingPunct="1">
+              <a:lnSpc>
+                <a:spcPct val="90000"/>
+              </a:lnSpc>
+              <a:spcBef>
+                <a:spcPts val="200"/>
+              </a:spcBef>
+              <a:spcAft>
+                <a:spcPts val="400"/>
+              </a:spcAft>
+              <a:buClr>
+                <a:schemeClr val="accent1"/>
+              </a:buClr>
+              <a:buFont typeface="Calibri" pitchFamily="34" charset="0"/>
+              <a:buChar char="◦"/>
+              <a:defRPr sz="1400" kern="1200">
+                <a:solidFill>
+                  <a:schemeClr val="tx1">
+                    <a:lumMod val="75000"/>
+                    <a:lumOff val="25000"/>
+                  </a:schemeClr>
+                </a:solidFill>
+                <a:latin typeface="+mn-lt"/>
+                <a:ea typeface="+mn-ea"/>
+                <a:cs typeface="+mn-cs"/>
+              </a:defRPr>
+            </a:lvl4pPr>
+            <a:lvl5pPr marL="932688" indent="-182880" algn="l" defTabSz="914400" rtl="0" eaLnBrk="1" latinLnBrk="1" hangingPunct="1">
+              <a:lnSpc>
+                <a:spcPct val="90000"/>
+              </a:lnSpc>
+              <a:spcBef>
+                <a:spcPts val="200"/>
+              </a:spcBef>
+              <a:spcAft>
+                <a:spcPts val="400"/>
+              </a:spcAft>
+              <a:buClr>
+                <a:schemeClr val="accent1"/>
+              </a:buClr>
+              <a:buFont typeface="Calibri" pitchFamily="34" charset="0"/>
+              <a:buChar char="◦"/>
+              <a:defRPr sz="1400" kern="1200">
+                <a:solidFill>
+                  <a:schemeClr val="tx1">
+                    <a:lumMod val="75000"/>
+                    <a:lumOff val="25000"/>
+                  </a:schemeClr>
+                </a:solidFill>
+                <a:latin typeface="+mn-lt"/>
+                <a:ea typeface="+mn-ea"/>
+                <a:cs typeface="+mn-cs"/>
+              </a:defRPr>
+            </a:lvl5pPr>
+            <a:lvl6pPr marL="1100000" indent="-228600" algn="l" defTabSz="914400" rtl="0" eaLnBrk="1" latinLnBrk="1" hangingPunct="1">
+              <a:lnSpc>
+                <a:spcPct val="90000"/>
+              </a:lnSpc>
+              <a:spcBef>
+                <a:spcPts val="200"/>
+              </a:spcBef>
+              <a:spcAft>
+                <a:spcPts val="400"/>
+              </a:spcAft>
+              <a:buClr>
+                <a:schemeClr val="accent1"/>
+              </a:buClr>
+              <a:buFont typeface="Calibri" pitchFamily="34" charset="0"/>
+              <a:buChar char="◦"/>
+              <a:defRPr sz="1400" kern="1200">
+                <a:solidFill>
+                  <a:schemeClr val="tx1">
+                    <a:lumMod val="75000"/>
+                    <a:lumOff val="25000"/>
+                  </a:schemeClr>
+                </a:solidFill>
+                <a:latin typeface="+mn-lt"/>
+                <a:ea typeface="+mn-ea"/>
+                <a:cs typeface="+mn-cs"/>
+              </a:defRPr>
+            </a:lvl6pPr>
+            <a:lvl7pPr marL="1300000" indent="-228600" algn="l" defTabSz="914400" rtl="0" eaLnBrk="1" latinLnBrk="1" hangingPunct="1">
+              <a:lnSpc>
+                <a:spcPct val="90000"/>
+              </a:lnSpc>
+              <a:spcBef>
+                <a:spcPts val="200"/>
+              </a:spcBef>
+              <a:spcAft>
+                <a:spcPts val="400"/>
+              </a:spcAft>
+              <a:buClr>
+                <a:schemeClr val="accent1"/>
+              </a:buClr>
+              <a:buFont typeface="Calibri" pitchFamily="34" charset="0"/>
+              <a:buChar char="◦"/>
+              <a:defRPr sz="1400" kern="1200">
+                <a:solidFill>
+                  <a:schemeClr val="tx1">
+                    <a:lumMod val="75000"/>
+                    <a:lumOff val="25000"/>
+                  </a:schemeClr>
+                </a:solidFill>
+                <a:latin typeface="+mn-lt"/>
+                <a:ea typeface="+mn-ea"/>
+                <a:cs typeface="+mn-cs"/>
+              </a:defRPr>
+            </a:lvl7pPr>
+            <a:lvl8pPr marL="1500000" indent="-228600" algn="l" defTabSz="914400" rtl="0" eaLnBrk="1" latinLnBrk="1" hangingPunct="1">
+              <a:lnSpc>
+                <a:spcPct val="90000"/>
+              </a:lnSpc>
+              <a:spcBef>
+                <a:spcPts val="200"/>
+              </a:spcBef>
+              <a:spcAft>
+                <a:spcPts val="400"/>
+              </a:spcAft>
+              <a:buClr>
+                <a:schemeClr val="accent1"/>
+              </a:buClr>
+              <a:buFont typeface="Calibri" pitchFamily="34" charset="0"/>
+              <a:buChar char="◦"/>
+              <a:defRPr sz="1400" kern="1200">
+                <a:solidFill>
+                  <a:schemeClr val="tx1">
+                    <a:lumMod val="75000"/>
+                    <a:lumOff val="25000"/>
+                  </a:schemeClr>
+                </a:solidFill>
+                <a:latin typeface="+mn-lt"/>
+                <a:ea typeface="+mn-ea"/>
+                <a:cs typeface="+mn-cs"/>
+              </a:defRPr>
+            </a:lvl8pPr>
+            <a:lvl9pPr marL="1700000" indent="-228600" algn="l" defTabSz="914400" rtl="0" eaLnBrk="1" latinLnBrk="1" hangingPunct="1">
+              <a:lnSpc>
+                <a:spcPct val="90000"/>
+              </a:lnSpc>
+              <a:spcBef>
+                <a:spcPts val="200"/>
+              </a:spcBef>
+              <a:spcAft>
+                <a:spcPts val="400"/>
+              </a:spcAft>
+              <a:buClr>
+                <a:schemeClr val="accent1"/>
+              </a:buClr>
+              <a:buFont typeface="Calibri" pitchFamily="34" charset="0"/>
+              <a:buChar char="◦"/>
+              <a:defRPr sz="1400" kern="1200">
+                <a:solidFill>
+                  <a:schemeClr val="tx1">
+                    <a:lumMod val="75000"/>
+                    <a:lumOff val="25000"/>
+                  </a:schemeClr>
+                </a:solidFill>
+                <a:latin typeface="+mn-lt"/>
+                <a:ea typeface="+mn-ea"/>
+                <a:cs typeface="+mn-cs"/>
+              </a:defRPr>
+            </a:lvl9pPr>
+          </a:lstStyle>
+          <a:p>
+            <a:pPr marL="0" indent="0">
+              <a:buFont typeface="Calibri" panose="020F0502020204030204" pitchFamily="34" charset="0"/>
+              <a:buNone/>
+            </a:pPr>
+            <a:r>
+              <a:rPr lang="ko-KR" altLang="en-US" sz="1600" dirty="0">
+                <a:solidFill>
+                  <a:srgbClr val="00B050"/>
+                </a:solidFill>
+              </a:rPr>
+              <a:t>불만사항</a:t>
+            </a:r>
+            <a:r>
+              <a:rPr lang="en-US" altLang="ko-KR" sz="1600" dirty="0">
+                <a:solidFill>
+                  <a:srgbClr val="00B050"/>
+                </a:solidFill>
+              </a:rPr>
+              <a:t>(</a:t>
+            </a:r>
+            <a:r>
+              <a:rPr lang="ko-KR" altLang="en-US" sz="1600" dirty="0">
+                <a:solidFill>
+                  <a:srgbClr val="00B050"/>
+                </a:solidFill>
+              </a:rPr>
+              <a:t>기존 경험 대비</a:t>
+            </a:r>
+            <a:r>
+              <a:rPr lang="en-US" altLang="ko-KR" sz="1600" dirty="0">
+                <a:solidFill>
+                  <a:srgbClr val="00B050"/>
+                </a:solidFill>
+              </a:rPr>
+              <a:t>)</a:t>
+            </a:r>
+          </a:p>
+          <a:p>
+            <a:pPr marL="0" indent="0">
+              <a:buFont typeface="Calibri" panose="020F0502020204030204" pitchFamily="34" charset="0"/>
+              <a:buNone/>
+            </a:pPr>
+            <a:r>
+              <a:rPr lang="en-US" altLang="ko-KR" sz="1600" dirty="0">
+                <a:solidFill>
+                  <a:srgbClr val="00B050"/>
+                </a:solidFill>
+              </a:rPr>
+              <a:t> - </a:t>
+            </a:r>
+            <a:r>
+              <a:rPr lang="ko-KR" altLang="en-US" sz="1600" dirty="0">
+                <a:solidFill>
+                  <a:schemeClr val="tx1"/>
+                </a:solidFill>
+              </a:rPr>
+              <a:t>사이트를</a:t>
+            </a:r>
+            <a:endParaRPr lang="en-US" altLang="ko-KR" sz="1600" dirty="0">
+              <a:solidFill>
+                <a:schemeClr val="tx1"/>
+              </a:solidFill>
+            </a:endParaRPr>
+          </a:p>
           <a:p>
             <a:pPr marL="0" indent="0" algn="ctr">
+              <a:buFont typeface="Calibri" panose="020F0502020204030204" pitchFamily="34" charset="0"/>
+              <a:buNone/>
+            </a:pPr>
+            <a:endParaRPr lang="en-US" altLang="ko-KR" dirty="0">
+              <a:solidFill>
+                <a:schemeClr val="tx1"/>
+              </a:solidFill>
+            </a:endParaRPr>
+          </a:p>
+        </p:txBody>
+      </p:sp>
+      <p:sp>
+        <p:nvSpPr>
+          <p:cNvPr id="6" name="내용 개체 틀 16">
+            <a:extLst>
+              <a:ext uri="{FF2B5EF4-FFF2-40B4-BE49-F238E27FC236}">
+                <a16:creationId xmlns:a16="http://schemas.microsoft.com/office/drawing/2014/main" id="{9F8BA9EF-8726-4FD7-BCC0-D3FE42E2CBE5}"/>
+              </a:ext>
+            </a:extLst>
+          </p:cNvPr>
+          <p:cNvSpPr txBox="1">
+            <a:spLocks/>
+          </p:cNvSpPr>
+          <p:nvPr/>
+        </p:nvSpPr>
+        <p:spPr>
+          <a:xfrm>
+            <a:off x="758644" y="3858936"/>
+            <a:ext cx="5059680" cy="2013202"/>
+          </a:xfrm>
+          <a:prstGeom prst="rect">
+            <a:avLst/>
+          </a:prstGeom>
+        </p:spPr>
+        <p:txBody>
+          <a:bodyPr vert="horz" lIns="0" tIns="45720" rIns="0" bIns="45720" rtlCol="0">
+            <a:normAutofit fontScale="92500" lnSpcReduction="20000"/>
+          </a:bodyPr>
+          <a:lstStyle>
+            <a:lvl1pPr marL="91440" indent="-91440" algn="l" defTabSz="914400" rtl="0" eaLnBrk="1" latinLnBrk="1" hangingPunct="1">
+              <a:lnSpc>
+                <a:spcPct val="90000"/>
+              </a:lnSpc>
+              <a:spcBef>
+                <a:spcPts val="1200"/>
+              </a:spcBef>
+              <a:spcAft>
+                <a:spcPts val="200"/>
+              </a:spcAft>
+              <a:buClr>
+                <a:schemeClr val="accent1"/>
+              </a:buClr>
+              <a:buSzPct val="100000"/>
+              <a:buFont typeface="Calibri" panose="020F0502020204030204" pitchFamily="34" charset="0"/>
+              <a:buChar char=" "/>
+              <a:defRPr sz="2000" kern="1200">
+                <a:solidFill>
+                  <a:schemeClr val="tx1">
+                    <a:lumMod val="75000"/>
+                    <a:lumOff val="25000"/>
+                  </a:schemeClr>
+                </a:solidFill>
+                <a:latin typeface="+mn-lt"/>
+                <a:ea typeface="+mn-ea"/>
+                <a:cs typeface="+mn-cs"/>
+              </a:defRPr>
+            </a:lvl1pPr>
+            <a:lvl2pPr marL="384048" indent="-182880" algn="l" defTabSz="914400" rtl="0" eaLnBrk="1" latinLnBrk="1" hangingPunct="1">
+              <a:lnSpc>
+                <a:spcPct val="90000"/>
+              </a:lnSpc>
+              <a:spcBef>
+                <a:spcPts val="200"/>
+              </a:spcBef>
+              <a:spcAft>
+                <a:spcPts val="400"/>
+              </a:spcAft>
+              <a:buClr>
+                <a:schemeClr val="accent1"/>
+              </a:buClr>
+              <a:buFont typeface="Calibri" pitchFamily="34" charset="0"/>
+              <a:buChar char="◦"/>
+              <a:defRPr sz="1800" kern="1200">
+                <a:solidFill>
+                  <a:schemeClr val="tx1">
+                    <a:lumMod val="75000"/>
+                    <a:lumOff val="25000"/>
+                  </a:schemeClr>
+                </a:solidFill>
+                <a:latin typeface="+mn-lt"/>
+                <a:ea typeface="+mn-ea"/>
+                <a:cs typeface="+mn-cs"/>
+              </a:defRPr>
+            </a:lvl2pPr>
+            <a:lvl3pPr marL="566928" indent="-182880" algn="l" defTabSz="914400" rtl="0" eaLnBrk="1" latinLnBrk="1" hangingPunct="1">
+              <a:lnSpc>
+                <a:spcPct val="90000"/>
+              </a:lnSpc>
+              <a:spcBef>
+                <a:spcPts val="200"/>
+              </a:spcBef>
+              <a:spcAft>
+                <a:spcPts val="400"/>
+              </a:spcAft>
+              <a:buClr>
+                <a:schemeClr val="accent1"/>
+              </a:buClr>
+              <a:buFont typeface="Calibri" pitchFamily="34" charset="0"/>
+              <a:buChar char="◦"/>
+              <a:defRPr sz="1400" kern="1200">
+                <a:solidFill>
+                  <a:schemeClr val="tx1">
+                    <a:lumMod val="75000"/>
+                    <a:lumOff val="25000"/>
+                  </a:schemeClr>
+                </a:solidFill>
+                <a:latin typeface="+mn-lt"/>
+                <a:ea typeface="+mn-ea"/>
+                <a:cs typeface="+mn-cs"/>
+              </a:defRPr>
+            </a:lvl3pPr>
+            <a:lvl4pPr marL="749808" indent="-182880" algn="l" defTabSz="914400" rtl="0" eaLnBrk="1" latinLnBrk="1" hangingPunct="1">
+              <a:lnSpc>
+                <a:spcPct val="90000"/>
+              </a:lnSpc>
+              <a:spcBef>
+                <a:spcPts val="200"/>
+              </a:spcBef>
+              <a:spcAft>
+                <a:spcPts val="400"/>
+              </a:spcAft>
+              <a:buClr>
+                <a:schemeClr val="accent1"/>
+              </a:buClr>
+              <a:buFont typeface="Calibri" pitchFamily="34" charset="0"/>
+              <a:buChar char="◦"/>
+              <a:defRPr sz="1400" kern="1200">
+                <a:solidFill>
+                  <a:schemeClr val="tx1">
+                    <a:lumMod val="75000"/>
+                    <a:lumOff val="25000"/>
+                  </a:schemeClr>
+                </a:solidFill>
+                <a:latin typeface="+mn-lt"/>
+                <a:ea typeface="+mn-ea"/>
+                <a:cs typeface="+mn-cs"/>
+              </a:defRPr>
+            </a:lvl4pPr>
+            <a:lvl5pPr marL="932688" indent="-182880" algn="l" defTabSz="914400" rtl="0" eaLnBrk="1" latinLnBrk="1" hangingPunct="1">
+              <a:lnSpc>
+                <a:spcPct val="90000"/>
+              </a:lnSpc>
+              <a:spcBef>
+                <a:spcPts val="200"/>
+              </a:spcBef>
+              <a:spcAft>
+                <a:spcPts val="400"/>
+              </a:spcAft>
+              <a:buClr>
+                <a:schemeClr val="accent1"/>
+              </a:buClr>
+              <a:buFont typeface="Calibri" pitchFamily="34" charset="0"/>
+              <a:buChar char="◦"/>
+              <a:defRPr sz="1400" kern="1200">
+                <a:solidFill>
+                  <a:schemeClr val="tx1">
+                    <a:lumMod val="75000"/>
+                    <a:lumOff val="25000"/>
+                  </a:schemeClr>
+                </a:solidFill>
+                <a:latin typeface="+mn-lt"/>
+                <a:ea typeface="+mn-ea"/>
+                <a:cs typeface="+mn-cs"/>
+              </a:defRPr>
+            </a:lvl5pPr>
+            <a:lvl6pPr marL="1100000" indent="-228600" algn="l" defTabSz="914400" rtl="0" eaLnBrk="1" latinLnBrk="1" hangingPunct="1">
+              <a:lnSpc>
+                <a:spcPct val="90000"/>
+              </a:lnSpc>
+              <a:spcBef>
+                <a:spcPts val="200"/>
+              </a:spcBef>
+              <a:spcAft>
+                <a:spcPts val="400"/>
+              </a:spcAft>
+              <a:buClr>
+                <a:schemeClr val="accent1"/>
+              </a:buClr>
+              <a:buFont typeface="Calibri" pitchFamily="34" charset="0"/>
+              <a:buChar char="◦"/>
+              <a:defRPr sz="1400" kern="1200">
+                <a:solidFill>
+                  <a:schemeClr val="tx1">
+                    <a:lumMod val="75000"/>
+                    <a:lumOff val="25000"/>
+                  </a:schemeClr>
+                </a:solidFill>
+                <a:latin typeface="+mn-lt"/>
+                <a:ea typeface="+mn-ea"/>
+                <a:cs typeface="+mn-cs"/>
+              </a:defRPr>
+            </a:lvl6pPr>
+            <a:lvl7pPr marL="1300000" indent="-228600" algn="l" defTabSz="914400" rtl="0" eaLnBrk="1" latinLnBrk="1" hangingPunct="1">
+              <a:lnSpc>
+                <a:spcPct val="90000"/>
+              </a:lnSpc>
+              <a:spcBef>
+                <a:spcPts val="200"/>
+              </a:spcBef>
+              <a:spcAft>
+                <a:spcPts val="400"/>
+              </a:spcAft>
+              <a:buClr>
+                <a:schemeClr val="accent1"/>
+              </a:buClr>
+              <a:buFont typeface="Calibri" pitchFamily="34" charset="0"/>
+              <a:buChar char="◦"/>
+              <a:defRPr sz="1400" kern="1200">
+                <a:solidFill>
+                  <a:schemeClr val="tx1">
+                    <a:lumMod val="75000"/>
+                    <a:lumOff val="25000"/>
+                  </a:schemeClr>
+                </a:solidFill>
+                <a:latin typeface="+mn-lt"/>
+                <a:ea typeface="+mn-ea"/>
+                <a:cs typeface="+mn-cs"/>
+              </a:defRPr>
+            </a:lvl7pPr>
+            <a:lvl8pPr marL="1500000" indent="-228600" algn="l" defTabSz="914400" rtl="0" eaLnBrk="1" latinLnBrk="1" hangingPunct="1">
+              <a:lnSpc>
+                <a:spcPct val="90000"/>
+              </a:lnSpc>
+              <a:spcBef>
+                <a:spcPts val="200"/>
+              </a:spcBef>
+              <a:spcAft>
+                <a:spcPts val="400"/>
+              </a:spcAft>
+              <a:buClr>
+                <a:schemeClr val="accent1"/>
+              </a:buClr>
+              <a:buFont typeface="Calibri" pitchFamily="34" charset="0"/>
+              <a:buChar char="◦"/>
+              <a:defRPr sz="1400" kern="1200">
+                <a:solidFill>
+                  <a:schemeClr val="tx1">
+                    <a:lumMod val="75000"/>
+                    <a:lumOff val="25000"/>
+                  </a:schemeClr>
+                </a:solidFill>
+                <a:latin typeface="+mn-lt"/>
+                <a:ea typeface="+mn-ea"/>
+                <a:cs typeface="+mn-cs"/>
+              </a:defRPr>
+            </a:lvl8pPr>
+            <a:lvl9pPr marL="1700000" indent="-228600" algn="l" defTabSz="914400" rtl="0" eaLnBrk="1" latinLnBrk="1" hangingPunct="1">
+              <a:lnSpc>
+                <a:spcPct val="90000"/>
+              </a:lnSpc>
+              <a:spcBef>
+                <a:spcPts val="200"/>
+              </a:spcBef>
+              <a:spcAft>
+                <a:spcPts val="400"/>
+              </a:spcAft>
+              <a:buClr>
+                <a:schemeClr val="accent1"/>
+              </a:buClr>
+              <a:buFont typeface="Calibri" pitchFamily="34" charset="0"/>
+              <a:buChar char="◦"/>
+              <a:defRPr sz="1400" kern="1200">
+                <a:solidFill>
+                  <a:schemeClr val="tx1">
+                    <a:lumMod val="75000"/>
+                    <a:lumOff val="25000"/>
+                  </a:schemeClr>
+                </a:solidFill>
+                <a:latin typeface="+mn-lt"/>
+                <a:ea typeface="+mn-ea"/>
+                <a:cs typeface="+mn-cs"/>
+              </a:defRPr>
+            </a:lvl9pPr>
+          </a:lstStyle>
+          <a:p>
+            <a:pPr marL="0" indent="0">
+              <a:buFont typeface="Calibri" panose="020F0502020204030204" pitchFamily="34" charset="0"/>
+              <a:buNone/>
+            </a:pPr>
+            <a:r>
+              <a:rPr lang="ko-KR" altLang="en-US" dirty="0">
+                <a:solidFill>
+                  <a:srgbClr val="00B050"/>
+                </a:solidFill>
+              </a:rPr>
+              <a:t>이름</a:t>
+            </a:r>
+            <a:r>
+              <a:rPr lang="ko-KR" altLang="en-US" dirty="0"/>
+              <a:t> </a:t>
+            </a:r>
+            <a:r>
+              <a:rPr lang="en-US" altLang="ko-KR" dirty="0"/>
+              <a:t>: </a:t>
+            </a:r>
+            <a:r>
+              <a:rPr lang="ko-KR" altLang="en-US" dirty="0" err="1"/>
+              <a:t>모코코</a:t>
+            </a:r>
+            <a:r>
+              <a:rPr lang="ko-KR" altLang="en-US" dirty="0"/>
+              <a:t>  </a:t>
+            </a:r>
+            <a:r>
+              <a:rPr lang="ko-KR" altLang="en-US" dirty="0">
+                <a:solidFill>
+                  <a:srgbClr val="00B050"/>
+                </a:solidFill>
+              </a:rPr>
+              <a:t>나이</a:t>
+            </a:r>
+            <a:r>
+              <a:rPr lang="ko-KR" altLang="en-US" dirty="0"/>
+              <a:t> </a:t>
+            </a:r>
+            <a:r>
+              <a:rPr lang="en-US" altLang="ko-KR" dirty="0"/>
+              <a:t>: 20</a:t>
+            </a:r>
+            <a:r>
+              <a:rPr lang="ko-KR" altLang="en-US" dirty="0"/>
+              <a:t>대 후반  </a:t>
+            </a:r>
+            <a:r>
+              <a:rPr lang="ko-KR" altLang="en-US" dirty="0">
+                <a:solidFill>
+                  <a:srgbClr val="00B050"/>
+                </a:solidFill>
+              </a:rPr>
+              <a:t>성별</a:t>
+            </a:r>
+            <a:r>
+              <a:rPr lang="ko-KR" altLang="en-US" dirty="0"/>
+              <a:t> </a:t>
+            </a:r>
+            <a:r>
+              <a:rPr lang="en-US" altLang="ko-KR" dirty="0"/>
+              <a:t>: </a:t>
+            </a:r>
+            <a:r>
+              <a:rPr lang="ko-KR" altLang="en-US" dirty="0"/>
+              <a:t>남자  </a:t>
+            </a:r>
+            <a:r>
+              <a:rPr lang="ko-KR" altLang="en-US" dirty="0">
+                <a:solidFill>
+                  <a:srgbClr val="00B050"/>
+                </a:solidFill>
+              </a:rPr>
+              <a:t>지역</a:t>
+            </a:r>
+            <a:r>
+              <a:rPr lang="ko-KR" altLang="en-US" dirty="0"/>
+              <a:t> </a:t>
+            </a:r>
+            <a:r>
+              <a:rPr lang="en-US" altLang="ko-KR" dirty="0"/>
+              <a:t>: </a:t>
+            </a:r>
+            <a:r>
+              <a:rPr lang="ko-KR" altLang="en-US" dirty="0"/>
+              <a:t>인천  </a:t>
+            </a:r>
+            <a:r>
+              <a:rPr lang="ko-KR" altLang="en-US" dirty="0">
+                <a:solidFill>
+                  <a:srgbClr val="00B050"/>
+                </a:solidFill>
+              </a:rPr>
+              <a:t>취미</a:t>
+            </a:r>
+            <a:r>
+              <a:rPr lang="en-US" altLang="ko-KR" dirty="0"/>
+              <a:t>: </a:t>
+            </a:r>
+            <a:r>
+              <a:rPr lang="ko-KR" altLang="en-US" dirty="0"/>
+              <a:t>게임</a:t>
+            </a:r>
+            <a:r>
+              <a:rPr lang="en-US" altLang="ko-KR" dirty="0"/>
+              <a:t> </a:t>
+            </a:r>
+          </a:p>
+          <a:p>
+            <a:pPr marL="0" indent="0">
+              <a:buFont typeface="Calibri" panose="020F0502020204030204" pitchFamily="34" charset="0"/>
+              <a:buNone/>
+            </a:pPr>
+            <a:r>
+              <a:rPr lang="ko-KR" altLang="en-US" dirty="0">
+                <a:solidFill>
+                  <a:srgbClr val="00B050"/>
+                </a:solidFill>
+              </a:rPr>
+              <a:t>특이사항 </a:t>
+            </a:r>
+            <a:r>
+              <a:rPr lang="en-US" altLang="ko-KR" dirty="0">
+                <a:solidFill>
+                  <a:schemeClr val="tx1"/>
+                </a:solidFill>
+              </a:rPr>
+              <a:t>:  ??? </a:t>
+            </a:r>
+          </a:p>
+          <a:p>
+            <a:pPr marL="0" indent="0">
+              <a:buFont typeface="Calibri" panose="020F0502020204030204" pitchFamily="34" charset="0"/>
+              <a:buNone/>
+            </a:pPr>
+            <a:endParaRPr lang="en-US" altLang="ko-KR" dirty="0">
+              <a:solidFill>
+                <a:schemeClr val="tx1"/>
+              </a:solidFill>
+            </a:endParaRPr>
+          </a:p>
+          <a:p>
+            <a:pPr marL="0" indent="0" algn="ctr">
+              <a:buFont typeface="Calibri" panose="020F0502020204030204" pitchFamily="34" charset="0"/>
+              <a:buNone/>
+            </a:pPr>
+            <a:r>
+              <a:rPr lang="en-US" altLang="ko-KR" dirty="0">
+                <a:solidFill>
+                  <a:schemeClr val="tx1"/>
+                </a:solidFill>
+              </a:rPr>
+              <a:t>“</a:t>
+            </a:r>
+            <a:r>
+              <a:rPr lang="ko-KR" altLang="en-US" dirty="0">
+                <a:solidFill>
+                  <a:schemeClr val="tx1"/>
+                </a:solidFill>
+              </a:rPr>
+              <a:t>게임에 필요한 유익한 정보를 한 사이트로 볼 수 있으면 </a:t>
+            </a:r>
+            <a:r>
+              <a:rPr lang="ko-KR" altLang="en-US" dirty="0" err="1">
+                <a:solidFill>
+                  <a:schemeClr val="tx1"/>
+                </a:solidFill>
+              </a:rPr>
+              <a:t>좋겠어요</a:t>
+            </a:r>
+            <a:r>
+              <a:rPr lang="en-US" altLang="ko-KR" dirty="0">
+                <a:solidFill>
+                  <a:schemeClr val="tx1"/>
+                </a:solidFill>
+              </a:rPr>
+              <a:t>.”</a:t>
+            </a:r>
+          </a:p>
+          <a:p>
+            <a:pPr marL="0" indent="0" algn="ctr">
+              <a:buFont typeface="Calibri" panose="020F0502020204030204" pitchFamily="34" charset="0"/>
               <a:buNone/>
             </a:pPr>
             <a:endParaRPr lang="en-US" altLang="ko-KR" dirty="0">

--- a/사용자 분석-(persona).pptx
+++ b/사용자 분석-(persona).pptx
@@ -355,7 +355,7 @@
           <a:p>
             <a:fld id="{AEA8F15B-7710-46C0-91B1-94B3AE131DE5}" type="datetimeFigureOut">
               <a:rPr lang="ko-KR" altLang="en-US" smtClean="0"/>
-              <a:t>2024-03-22</a:t>
+              <a:t>2024-04-03</a:t>
             </a:fld>
             <a:endParaRPr lang="ko-KR" altLang="en-US"/>
           </a:p>
@@ -563,7 +563,7 @@
           <a:p>
             <a:fld id="{AEA8F15B-7710-46C0-91B1-94B3AE131DE5}" type="datetimeFigureOut">
               <a:rPr lang="ko-KR" altLang="en-US" smtClean="0"/>
-              <a:t>2024-03-22</a:t>
+              <a:t>2024-04-03</a:t>
             </a:fld>
             <a:endParaRPr lang="ko-KR" altLang="en-US"/>
           </a:p>
@@ -819,7 +819,7 @@
           <a:p>
             <a:fld id="{AEA8F15B-7710-46C0-91B1-94B3AE131DE5}" type="datetimeFigureOut">
               <a:rPr lang="ko-KR" altLang="en-US" smtClean="0"/>
-              <a:t>2024-03-22</a:t>
+              <a:t>2024-04-03</a:t>
             </a:fld>
             <a:endParaRPr lang="ko-KR" altLang="en-US"/>
           </a:p>
@@ -993,7 +993,7 @@
           <a:p>
             <a:fld id="{AEA8F15B-7710-46C0-91B1-94B3AE131DE5}" type="datetimeFigureOut">
               <a:rPr lang="ko-KR" altLang="en-US" smtClean="0"/>
-              <a:t>2024-03-22</a:t>
+              <a:t>2024-04-03</a:t>
             </a:fld>
             <a:endParaRPr lang="ko-KR" altLang="en-US"/>
           </a:p>
@@ -1336,7 +1336,7 @@
           <a:p>
             <a:fld id="{AEA8F15B-7710-46C0-91B1-94B3AE131DE5}" type="datetimeFigureOut">
               <a:rPr lang="ko-KR" altLang="en-US" smtClean="0"/>
-              <a:t>2024-03-22</a:t>
+              <a:t>2024-04-03</a:t>
             </a:fld>
             <a:endParaRPr lang="ko-KR" altLang="en-US"/>
           </a:p>
@@ -1611,7 +1611,7 @@
           <a:p>
             <a:fld id="{AEA8F15B-7710-46C0-91B1-94B3AE131DE5}" type="datetimeFigureOut">
               <a:rPr lang="ko-KR" altLang="en-US" smtClean="0"/>
-              <a:t>2024-03-22</a:t>
+              <a:t>2024-04-03</a:t>
             </a:fld>
             <a:endParaRPr lang="ko-KR" altLang="en-US"/>
           </a:p>
@@ -1990,7 +1990,7 @@
           <a:p>
             <a:fld id="{AEA8F15B-7710-46C0-91B1-94B3AE131DE5}" type="datetimeFigureOut">
               <a:rPr lang="ko-KR" altLang="en-US" smtClean="0"/>
-              <a:t>2024-03-22</a:t>
+              <a:t>2024-04-03</a:t>
             </a:fld>
             <a:endParaRPr lang="ko-KR" altLang="en-US"/>
           </a:p>
@@ -2108,7 +2108,7 @@
           <a:p>
             <a:fld id="{AEA8F15B-7710-46C0-91B1-94B3AE131DE5}" type="datetimeFigureOut">
               <a:rPr lang="ko-KR" altLang="en-US" smtClean="0"/>
-              <a:t>2024-03-22</a:t>
+              <a:t>2024-04-03</a:t>
             </a:fld>
             <a:endParaRPr lang="ko-KR" altLang="en-US"/>
           </a:p>
@@ -2279,7 +2279,7 @@
           <a:p>
             <a:fld id="{AEA8F15B-7710-46C0-91B1-94B3AE131DE5}" type="datetimeFigureOut">
               <a:rPr lang="ko-KR" altLang="en-US" smtClean="0"/>
-              <a:t>2024-03-22</a:t>
+              <a:t>2024-04-03</a:t>
             </a:fld>
             <a:endParaRPr lang="ko-KR" altLang="en-US"/>
           </a:p>
@@ -2633,7 +2633,7 @@
           <a:p>
             <a:fld id="{AEA8F15B-7710-46C0-91B1-94B3AE131DE5}" type="datetimeFigureOut">
               <a:rPr lang="ko-KR" altLang="en-US" smtClean="0"/>
-              <a:t>2024-03-22</a:t>
+              <a:t>2024-04-03</a:t>
             </a:fld>
             <a:endParaRPr lang="ko-KR" altLang="en-US"/>
           </a:p>
@@ -3015,7 +3015,7 @@
           <a:p>
             <a:fld id="{AEA8F15B-7710-46C0-91B1-94B3AE131DE5}" type="datetimeFigureOut">
               <a:rPr lang="ko-KR" altLang="en-US" smtClean="0"/>
-              <a:t>2024-03-22</a:t>
+              <a:t>2024-04-03</a:t>
             </a:fld>
             <a:endParaRPr lang="ko-KR" altLang="en-US"/>
           </a:p>
@@ -3302,7 +3302,7 @@
           <a:p>
             <a:fld id="{AEA8F15B-7710-46C0-91B1-94B3AE131DE5}" type="datetimeFigureOut">
               <a:rPr lang="ko-KR" altLang="en-US" smtClean="0"/>
-              <a:t>2024-03-22</a:t>
+              <a:t>2024-04-03</a:t>
             </a:fld>
             <a:endParaRPr lang="ko-KR" altLang="en-US"/>
           </a:p>
@@ -4227,7 +4227,7 @@
         <p:spPr>
           <a:xfrm>
             <a:off x="6096000" y="3860490"/>
-            <a:ext cx="5059680" cy="2013202"/>
+            <a:ext cx="5059680" cy="2540310"/>
           </a:xfrm>
           <a:prstGeom prst="rect">
             <a:avLst/>
@@ -4523,7 +4523,6 @@
           </a:p>
           <a:p>
             <a:pPr marL="0" indent="0">
-              <a:buFont typeface="Calibri" panose="020F0502020204030204" pitchFamily="34" charset="0"/>
               <a:buNone/>
             </a:pPr>
             <a:r>
@@ -4540,13 +4539,157 @@
                   <a:schemeClr val="tx1"/>
                 </a:solidFill>
               </a:rPr>
-              <a:t>사이트를</a:t>
+              <a:t>사이트를 </a:t>
+            </a:r>
+            <a:r>
+              <a:rPr lang="en-US" altLang="ko-KR" sz="1600" dirty="0" err="1">
+                <a:solidFill>
+                  <a:schemeClr val="tx1"/>
+                </a:solidFill>
+              </a:rPr>
+              <a:t>Alt+tab</a:t>
+            </a:r>
+            <a:r>
+              <a:rPr lang="en-US" altLang="ko-KR" sz="1600" dirty="0">
+                <a:solidFill>
+                  <a:schemeClr val="tx1"/>
+                </a:solidFill>
+              </a:rPr>
+              <a:t> </a:t>
+            </a:r>
+            <a:r>
+              <a:rPr lang="ko-KR" altLang="en-US" sz="1600" dirty="0">
+                <a:solidFill>
+                  <a:schemeClr val="tx1"/>
+                </a:solidFill>
+              </a:rPr>
+              <a:t>으로 </a:t>
+            </a:r>
+            <a:r>
+              <a:rPr lang="ko-KR" altLang="en-US" sz="1600" dirty="0" err="1">
+                <a:solidFill>
+                  <a:schemeClr val="tx1"/>
+                </a:solidFill>
+              </a:rPr>
+              <a:t>왔다갔다</a:t>
+            </a:r>
+            <a:r>
+              <a:rPr lang="ko-KR" altLang="en-US" sz="1600" dirty="0">
+                <a:solidFill>
+                  <a:schemeClr val="tx1"/>
+                </a:solidFill>
+              </a:rPr>
+              <a:t> 하니 어지럽고 인터넷창이 여러 개가 </a:t>
+            </a:r>
+            <a:r>
+              <a:rPr lang="ko-KR" altLang="en-US" sz="1600" dirty="0" err="1">
+                <a:solidFill>
+                  <a:schemeClr val="tx1"/>
+                </a:solidFill>
+              </a:rPr>
+              <a:t>켜져있으니</a:t>
+            </a:r>
+            <a:r>
+              <a:rPr lang="ko-KR" altLang="en-US" sz="1600" dirty="0">
+                <a:solidFill>
+                  <a:schemeClr val="tx1"/>
+                </a:solidFill>
+              </a:rPr>
+              <a:t> 복잡함</a:t>
+            </a:r>
+            <a:r>
+              <a:rPr lang="en-US" altLang="ko-KR" sz="1600" dirty="0">
+                <a:solidFill>
+                  <a:schemeClr val="tx1"/>
+                </a:solidFill>
+              </a:rPr>
+              <a:t>.</a:t>
+            </a:r>
+          </a:p>
+          <a:p>
+            <a:pPr marL="0" indent="0">
+              <a:buNone/>
+            </a:pPr>
+            <a:r>
+              <a:rPr lang="ko-KR" altLang="en-US" sz="1600" dirty="0">
+                <a:solidFill>
+                  <a:srgbClr val="00B050"/>
+                </a:solidFill>
+              </a:rPr>
+              <a:t>신규 서비스에 대한 기대사항 </a:t>
+            </a:r>
+            <a:r>
+              <a:rPr lang="en-US" altLang="ko-KR" sz="1600" dirty="0">
+                <a:solidFill>
+                  <a:srgbClr val="00B050"/>
+                </a:solidFill>
+              </a:rPr>
+              <a:t>(</a:t>
+            </a:r>
+            <a:r>
+              <a:rPr lang="ko-KR" altLang="en-US" sz="1600" dirty="0">
+                <a:solidFill>
+                  <a:srgbClr val="00B050"/>
+                </a:solidFill>
+              </a:rPr>
+              <a:t>기존 경험 대비</a:t>
+            </a:r>
+            <a:r>
+              <a:rPr lang="en-US" altLang="ko-KR" sz="1600" dirty="0">
+                <a:solidFill>
+                  <a:srgbClr val="00B050"/>
+                </a:solidFill>
+              </a:rPr>
+              <a:t>)</a:t>
+            </a:r>
+          </a:p>
+          <a:p>
+            <a:pPr>
+              <a:buFontTx/>
+              <a:buChar char="-"/>
+            </a:pPr>
+            <a:r>
+              <a:rPr lang="ko-KR" altLang="en-US" sz="1600" dirty="0">
+                <a:solidFill>
+                  <a:schemeClr val="tx1"/>
+                </a:solidFill>
+              </a:rPr>
+              <a:t>깔끔한 페이지로 내가 </a:t>
+            </a:r>
+            <a:r>
+              <a:rPr lang="ko-KR" altLang="en-US" sz="1600" dirty="0" err="1">
+                <a:solidFill>
+                  <a:schemeClr val="tx1"/>
+                </a:solidFill>
+              </a:rPr>
+              <a:t>보고픈</a:t>
+            </a:r>
+            <a:r>
+              <a:rPr lang="ko-KR" altLang="en-US" sz="1600" dirty="0">
+                <a:solidFill>
+                  <a:schemeClr val="tx1"/>
+                </a:solidFill>
+              </a:rPr>
+              <a:t> 정보나 필요한 도구들이 사이트 한곳에 있기를 바람</a:t>
             </a:r>
             <a:endParaRPr lang="en-US" altLang="ko-KR" sz="1600" dirty="0">
               <a:solidFill>
                 <a:schemeClr val="tx1"/>
               </a:solidFill>
             </a:endParaRPr>
+          </a:p>
+          <a:p>
+            <a:pPr marL="0" indent="0">
+              <a:buNone/>
+            </a:pPr>
+            <a:r>
+              <a:rPr lang="en-US" altLang="ko-KR" sz="1600" dirty="0">
+                <a:solidFill>
+                  <a:schemeClr val="tx1"/>
+                </a:solidFill>
+              </a:rPr>
+              <a:t>-</a:t>
+            </a:r>
           </a:p>
           <a:p>
             <a:pPr marL="0" indent="0" algn="ctr">
@@ -4586,7 +4729,7 @@
         </p:spPr>
         <p:txBody>
           <a:bodyPr vert="horz" lIns="0" tIns="45720" rIns="0" bIns="45720" rtlCol="0">
-            <a:normAutofit fontScale="92500" lnSpcReduction="20000"/>
+            <a:normAutofit/>
           </a:bodyPr>
           <a:lstStyle>
             <a:lvl1pPr marL="91440" indent="-91440" algn="l" defTabSz="914400" rtl="0" eaLnBrk="1" latinLnBrk="1" hangingPunct="1">
@@ -4835,139 +4978,7 @@
             </a:lvl9pPr>
           </a:lstStyle>
           <a:p>
-            <a:pPr marL="0" indent="0">
-              <a:buFont typeface="Calibri" panose="020F0502020204030204" pitchFamily="34" charset="0"/>
-              <a:buNone/>
-            </a:pPr>
-            <a:r>
-              <a:rPr lang="ko-KR" altLang="en-US" dirty="0">
-                <a:solidFill>
-                  <a:srgbClr val="00B050"/>
-                </a:solidFill>
-              </a:rPr>
-              <a:t>이름</a:t>
-            </a:r>
-            <a:r>
-              <a:rPr lang="ko-KR" altLang="en-US" dirty="0"/>
-              <a:t> </a:t>
-            </a:r>
-            <a:r>
-              <a:rPr lang="en-US" altLang="ko-KR" dirty="0"/>
-              <a:t>: </a:t>
-            </a:r>
-            <a:r>
-              <a:rPr lang="ko-KR" altLang="en-US" dirty="0" err="1"/>
-              <a:t>모코코</a:t>
-            </a:r>
-            <a:r>
-              <a:rPr lang="ko-KR" altLang="en-US" dirty="0"/>
-              <a:t>  </a:t>
-            </a:r>
-            <a:r>
-              <a:rPr lang="ko-KR" altLang="en-US" dirty="0">
-                <a:solidFill>
-                  <a:srgbClr val="00B050"/>
-                </a:solidFill>
-              </a:rPr>
-              <a:t>나이</a:t>
-            </a:r>
-            <a:r>
-              <a:rPr lang="ko-KR" altLang="en-US" dirty="0"/>
-              <a:t> </a:t>
-            </a:r>
-            <a:r>
-              <a:rPr lang="en-US" altLang="ko-KR" dirty="0"/>
-              <a:t>: 20</a:t>
-            </a:r>
-            <a:r>
-              <a:rPr lang="ko-KR" altLang="en-US" dirty="0"/>
-              <a:t>대 후반  </a:t>
-            </a:r>
-            <a:r>
-              <a:rPr lang="ko-KR" altLang="en-US" dirty="0">
-                <a:solidFill>
-                  <a:srgbClr val="00B050"/>
-                </a:solidFill>
-              </a:rPr>
-              <a:t>성별</a:t>
-            </a:r>
-            <a:r>
-              <a:rPr lang="ko-KR" altLang="en-US" dirty="0"/>
-              <a:t> </a:t>
-            </a:r>
-            <a:r>
-              <a:rPr lang="en-US" altLang="ko-KR" dirty="0"/>
-              <a:t>: </a:t>
-            </a:r>
-            <a:r>
-              <a:rPr lang="ko-KR" altLang="en-US" dirty="0"/>
-              <a:t>남자  </a:t>
-            </a:r>
-            <a:r>
-              <a:rPr lang="ko-KR" altLang="en-US" dirty="0">
-                <a:solidFill>
-                  <a:srgbClr val="00B050"/>
-                </a:solidFill>
-              </a:rPr>
-              <a:t>지역</a:t>
-            </a:r>
-            <a:r>
-              <a:rPr lang="ko-KR" altLang="en-US" dirty="0"/>
-              <a:t> </a:t>
-            </a:r>
-            <a:r>
-              <a:rPr lang="en-US" altLang="ko-KR" dirty="0"/>
-              <a:t>: </a:t>
-            </a:r>
-            <a:r>
-              <a:rPr lang="ko-KR" altLang="en-US" dirty="0"/>
-              <a:t>인천  </a:t>
-            </a:r>
-            <a:r>
-              <a:rPr lang="ko-KR" altLang="en-US" dirty="0">
-                <a:solidFill>
-                  <a:srgbClr val="00B050"/>
-                </a:solidFill>
-              </a:rPr>
-              <a:t>취미</a:t>
-            </a:r>
-            <a:r>
-              <a:rPr lang="en-US" altLang="ko-KR" dirty="0"/>
-              <a:t>: </a:t>
-            </a:r>
-            <a:r>
-              <a:rPr lang="ko-KR" altLang="en-US" dirty="0"/>
-              <a:t>게임</a:t>
-            </a:r>
-            <a:r>
-              <a:rPr lang="en-US" altLang="ko-KR" dirty="0"/>
-              <a:t> </a:t>
-            </a:r>
-          </a:p>
-          <a:p>
-            <a:pPr marL="0" indent="0">
-              <a:buFont typeface="Calibri" panose="020F0502020204030204" pitchFamily="34" charset="0"/>
-              <a:buNone/>
-            </a:pPr>
-            <a:r>
-              <a:rPr lang="ko-KR" altLang="en-US" dirty="0">
-                <a:solidFill>
-                  <a:srgbClr val="00B050"/>
-                </a:solidFill>
-              </a:rPr>
-              <a:t>특이사항 </a:t>
-            </a:r>
-            <a:r>
-              <a:rPr lang="en-US" altLang="ko-KR" dirty="0">
-                <a:solidFill>
-                  <a:schemeClr val="tx1"/>
-                </a:solidFill>
-              </a:rPr>
-              <a:t>:  ??? </a:t>
-            </a:r>
-          </a:p>
-          <a:p>
-            <a:pPr marL="0" indent="0">
+            <a:pPr marL="0" indent="0" algn="ctr">
               <a:buFont typeface="Calibri" panose="020F0502020204030204" pitchFamily="34" charset="0"/>
               <a:buNone/>
             </a:pPr>
@@ -4977,57 +4988,44 @@
               </a:solidFill>
             </a:endParaRPr>
           </a:p>
-          <a:p>
-            <a:pPr marL="0" indent="0" algn="ctr">
-              <a:buFont typeface="Calibri" panose="020F0502020204030204" pitchFamily="34" charset="0"/>
-              <a:buNone/>
-            </a:pPr>
-            <a:r>
-              <a:rPr lang="en-US" altLang="ko-KR" dirty="0">
-                <a:solidFill>
-                  <a:schemeClr val="tx1"/>
-                </a:solidFill>
-              </a:rPr>
-              <a:t>“</a:t>
-            </a:r>
-            <a:r>
-              <a:rPr lang="ko-KR" altLang="en-US" dirty="0">
-                <a:solidFill>
-                  <a:schemeClr val="tx1"/>
-                </a:solidFill>
-              </a:rPr>
-              <a:t>게임에 필요한 유익한 정보를 한 사이트로 볼 수 있으면 </a:t>
-            </a:r>
-            <a:r>
-              <a:rPr lang="ko-KR" altLang="en-US" dirty="0" err="1">
-                <a:solidFill>
-                  <a:schemeClr val="tx1"/>
-                </a:solidFill>
-              </a:rPr>
-              <a:t>좋겠어요</a:t>
-            </a:r>
-            <a:r>
-              <a:rPr lang="en-US" altLang="ko-KR" dirty="0">
-                <a:solidFill>
-                  <a:schemeClr val="tx1"/>
-                </a:solidFill>
-              </a:rPr>
-              <a:t>.”</a:t>
-            </a:r>
-          </a:p>
-          <a:p>
-            <a:pPr marL="0" indent="0" algn="ctr">
-              <a:buFont typeface="Calibri" panose="020F0502020204030204" pitchFamily="34" charset="0"/>
-              <a:buNone/>
-            </a:pPr>
-            <a:endParaRPr lang="en-US" altLang="ko-KR" dirty="0">
-              <a:solidFill>
-                <a:schemeClr val="tx1"/>
-              </a:solidFill>
-            </a:endParaRPr>
-          </a:p>
-        </p:txBody>
-      </p:sp>
+        </p:txBody>
+      </p:sp>
+      <p:pic>
+        <p:nvPicPr>
+          <p:cNvPr id="10" name="그림 9">
+            <a:extLst>
+              <a:ext uri="{FF2B5EF4-FFF2-40B4-BE49-F238E27FC236}">
+                <a16:creationId xmlns:a16="http://schemas.microsoft.com/office/drawing/2014/main" id="{37AEB595-7853-4BBE-ABA6-FA387A9C0955}"/>
+              </a:ext>
+            </a:extLst>
+          </p:cNvPr>
+          <p:cNvPicPr>
+            <a:picLocks noChangeAspect="1"/>
+          </p:cNvPicPr>
+          <p:nvPr/>
+        </p:nvPicPr>
+        <p:blipFill>
+          <a:blip r:embed="rId3">
+            <a:extLst>
+              <a:ext uri="{28A0092B-C50C-407E-A947-70E740481C1C}">
+                <a14:useLocalDpi xmlns:a14="http://schemas.microsoft.com/office/drawing/2010/main" val="0"/>
+              </a:ext>
+            </a:extLst>
+          </a:blip>
+          <a:stretch>
+            <a:fillRect/>
+          </a:stretch>
+        </p:blipFill>
+        <p:spPr>
+          <a:xfrm>
+            <a:off x="1501140" y="3917947"/>
+            <a:ext cx="4012592" cy="1754854"/>
+          </a:xfrm>
+          <a:prstGeom prst="rect">
+            <a:avLst/>
+          </a:prstGeom>
+        </p:spPr>
+      </p:pic>
     </p:spTree>
     <p:extLst>
       <p:ext uri="{BB962C8B-B14F-4D97-AF65-F5344CB8AC3E}">
